--- a/final_ppt/Análisis del Mercado Inmobiliario en México.pptx
+++ b/final_ppt/Análisis del Mercado Inmobiliario en México.pptx
@@ -111,6 +111,11 @@
       </a:defRPr>
     </a:lvl9pPr>
   </p:defaultTextStyle>
+  <p:extLst>
+    <p:ext uri="{EFAFB233-063F-42B5-8137-9DF3F51BA10A}">
+      <p15:sldGuideLst xmlns:p15="http://schemas.microsoft.com/office/powerpoint/2012/main"/>
+    </p:ext>
+  </p:extLst>
 </p:presentation>
 </file>
 
@@ -263,7 +268,7 @@
           <a:p>
             <a:fld id="{A1885434-5205-461E-995C-BEC48052BC1D}" type="datetimeFigureOut">
               <a:rPr lang="es-MX" smtClean="0"/>
-              <a:t>27/08/2021</a:t>
+              <a:t>28/08/2021</a:t>
             </a:fld>
             <a:endParaRPr lang="es-MX"/>
           </a:p>
@@ -463,7 +468,7 @@
           <a:p>
             <a:fld id="{A1885434-5205-461E-995C-BEC48052BC1D}" type="datetimeFigureOut">
               <a:rPr lang="es-MX" smtClean="0"/>
-              <a:t>27/08/2021</a:t>
+              <a:t>28/08/2021</a:t>
             </a:fld>
             <a:endParaRPr lang="es-MX"/>
           </a:p>
@@ -673,7 +678,7 @@
           <a:p>
             <a:fld id="{A1885434-5205-461E-995C-BEC48052BC1D}" type="datetimeFigureOut">
               <a:rPr lang="es-MX" smtClean="0"/>
-              <a:t>27/08/2021</a:t>
+              <a:t>28/08/2021</a:t>
             </a:fld>
             <a:endParaRPr lang="es-MX"/>
           </a:p>
@@ -873,7 +878,7 @@
           <a:p>
             <a:fld id="{A1885434-5205-461E-995C-BEC48052BC1D}" type="datetimeFigureOut">
               <a:rPr lang="es-MX" smtClean="0"/>
-              <a:t>27/08/2021</a:t>
+              <a:t>28/08/2021</a:t>
             </a:fld>
             <a:endParaRPr lang="es-MX"/>
           </a:p>
@@ -1149,7 +1154,7 @@
           <a:p>
             <a:fld id="{A1885434-5205-461E-995C-BEC48052BC1D}" type="datetimeFigureOut">
               <a:rPr lang="es-MX" smtClean="0"/>
-              <a:t>27/08/2021</a:t>
+              <a:t>28/08/2021</a:t>
             </a:fld>
             <a:endParaRPr lang="es-MX"/>
           </a:p>
@@ -1417,7 +1422,7 @@
           <a:p>
             <a:fld id="{A1885434-5205-461E-995C-BEC48052BC1D}" type="datetimeFigureOut">
               <a:rPr lang="es-MX" smtClean="0"/>
-              <a:t>27/08/2021</a:t>
+              <a:t>28/08/2021</a:t>
             </a:fld>
             <a:endParaRPr lang="es-MX"/>
           </a:p>
@@ -1832,7 +1837,7 @@
           <a:p>
             <a:fld id="{A1885434-5205-461E-995C-BEC48052BC1D}" type="datetimeFigureOut">
               <a:rPr lang="es-MX" smtClean="0"/>
-              <a:t>27/08/2021</a:t>
+              <a:t>28/08/2021</a:t>
             </a:fld>
             <a:endParaRPr lang="es-MX"/>
           </a:p>
@@ -1974,7 +1979,7 @@
           <a:p>
             <a:fld id="{A1885434-5205-461E-995C-BEC48052BC1D}" type="datetimeFigureOut">
               <a:rPr lang="es-MX" smtClean="0"/>
-              <a:t>27/08/2021</a:t>
+              <a:t>28/08/2021</a:t>
             </a:fld>
             <a:endParaRPr lang="es-MX"/>
           </a:p>
@@ -2087,7 +2092,7 @@
           <a:p>
             <a:fld id="{A1885434-5205-461E-995C-BEC48052BC1D}" type="datetimeFigureOut">
               <a:rPr lang="es-MX" smtClean="0"/>
-              <a:t>27/08/2021</a:t>
+              <a:t>28/08/2021</a:t>
             </a:fld>
             <a:endParaRPr lang="es-MX"/>
           </a:p>
@@ -2400,7 +2405,7 @@
           <a:p>
             <a:fld id="{A1885434-5205-461E-995C-BEC48052BC1D}" type="datetimeFigureOut">
               <a:rPr lang="es-MX" smtClean="0"/>
-              <a:t>27/08/2021</a:t>
+              <a:t>28/08/2021</a:t>
             </a:fld>
             <a:endParaRPr lang="es-MX"/>
           </a:p>
@@ -2689,7 +2694,7 @@
           <a:p>
             <a:fld id="{A1885434-5205-461E-995C-BEC48052BC1D}" type="datetimeFigureOut">
               <a:rPr lang="es-MX" smtClean="0"/>
-              <a:t>27/08/2021</a:t>
+              <a:t>28/08/2021</a:t>
             </a:fld>
             <a:endParaRPr lang="es-MX"/>
           </a:p>
@@ -2932,7 +2937,7 @@
           <a:p>
             <a:fld id="{A1885434-5205-461E-995C-BEC48052BC1D}" type="datetimeFigureOut">
               <a:rPr lang="es-MX" smtClean="0"/>
-              <a:t>27/08/2021</a:t>
+              <a:t>28/08/2021</a:t>
             </a:fld>
             <a:endParaRPr lang="es-MX"/>
           </a:p>
@@ -6908,14 +6913,21 @@
         </p:spPr>
         <p:txBody>
           <a:bodyPr anchor="t">
-            <a:normAutofit/>
+            <a:normAutofit fontScale="92500" lnSpcReduction="10000"/>
           </a:bodyPr>
           <a:lstStyle/>
           <a:p>
             <a:pPr algn="just"/>
             <a:r>
               <a:rPr lang="es-MX" sz="1800" dirty="0"/>
-              <a:t>Las variables socioeconómicas son importantes para el valor del inmueble. </a:t>
+              <a:t>Con el modelo final es posible determinar el precio de un inmueble con información histórica del mercado, lo que puede ayudar a encontrar oportunidades dentro del sector.</a:t>
+            </a:r>
+          </a:p>
+          <a:p>
+            <a:pPr algn="just"/>
+            <a:r>
+              <a:rPr lang="es-MX" sz="1800" dirty="0"/>
+              <a:t>Las variables tanto socioeconómicas, superficie, y número de publicaciones son importantes para el valor del inmueble. </a:t>
             </a:r>
           </a:p>
           <a:p>

--- a/final_ppt/Análisis del Mercado Inmobiliario en México.pptx
+++ b/final_ppt/Análisis del Mercado Inmobiliario en México.pptx
@@ -268,7 +268,7 @@
           <a:p>
             <a:fld id="{A1885434-5205-461E-995C-BEC48052BC1D}" type="datetimeFigureOut">
               <a:rPr lang="es-MX" smtClean="0"/>
-              <a:t>28/08/2021</a:t>
+              <a:t>31/08/2021</a:t>
             </a:fld>
             <a:endParaRPr lang="es-MX"/>
           </a:p>
@@ -468,7 +468,7 @@
           <a:p>
             <a:fld id="{A1885434-5205-461E-995C-BEC48052BC1D}" type="datetimeFigureOut">
               <a:rPr lang="es-MX" smtClean="0"/>
-              <a:t>28/08/2021</a:t>
+              <a:t>31/08/2021</a:t>
             </a:fld>
             <a:endParaRPr lang="es-MX"/>
           </a:p>
@@ -678,7 +678,7 @@
           <a:p>
             <a:fld id="{A1885434-5205-461E-995C-BEC48052BC1D}" type="datetimeFigureOut">
               <a:rPr lang="es-MX" smtClean="0"/>
-              <a:t>28/08/2021</a:t>
+              <a:t>31/08/2021</a:t>
             </a:fld>
             <a:endParaRPr lang="es-MX"/>
           </a:p>
@@ -878,7 +878,7 @@
           <a:p>
             <a:fld id="{A1885434-5205-461E-995C-BEC48052BC1D}" type="datetimeFigureOut">
               <a:rPr lang="es-MX" smtClean="0"/>
-              <a:t>28/08/2021</a:t>
+              <a:t>31/08/2021</a:t>
             </a:fld>
             <a:endParaRPr lang="es-MX"/>
           </a:p>
@@ -1154,7 +1154,7 @@
           <a:p>
             <a:fld id="{A1885434-5205-461E-995C-BEC48052BC1D}" type="datetimeFigureOut">
               <a:rPr lang="es-MX" smtClean="0"/>
-              <a:t>28/08/2021</a:t>
+              <a:t>31/08/2021</a:t>
             </a:fld>
             <a:endParaRPr lang="es-MX"/>
           </a:p>
@@ -1422,7 +1422,7 @@
           <a:p>
             <a:fld id="{A1885434-5205-461E-995C-BEC48052BC1D}" type="datetimeFigureOut">
               <a:rPr lang="es-MX" smtClean="0"/>
-              <a:t>28/08/2021</a:t>
+              <a:t>31/08/2021</a:t>
             </a:fld>
             <a:endParaRPr lang="es-MX"/>
           </a:p>
@@ -1837,7 +1837,7 @@
           <a:p>
             <a:fld id="{A1885434-5205-461E-995C-BEC48052BC1D}" type="datetimeFigureOut">
               <a:rPr lang="es-MX" smtClean="0"/>
-              <a:t>28/08/2021</a:t>
+              <a:t>31/08/2021</a:t>
             </a:fld>
             <a:endParaRPr lang="es-MX"/>
           </a:p>
@@ -1979,7 +1979,7 @@
           <a:p>
             <a:fld id="{A1885434-5205-461E-995C-BEC48052BC1D}" type="datetimeFigureOut">
               <a:rPr lang="es-MX" smtClean="0"/>
-              <a:t>28/08/2021</a:t>
+              <a:t>31/08/2021</a:t>
             </a:fld>
             <a:endParaRPr lang="es-MX"/>
           </a:p>
@@ -2092,7 +2092,7 @@
           <a:p>
             <a:fld id="{A1885434-5205-461E-995C-BEC48052BC1D}" type="datetimeFigureOut">
               <a:rPr lang="es-MX" smtClean="0"/>
-              <a:t>28/08/2021</a:t>
+              <a:t>31/08/2021</a:t>
             </a:fld>
             <a:endParaRPr lang="es-MX"/>
           </a:p>
@@ -2405,7 +2405,7 @@
           <a:p>
             <a:fld id="{A1885434-5205-461E-995C-BEC48052BC1D}" type="datetimeFigureOut">
               <a:rPr lang="es-MX" smtClean="0"/>
-              <a:t>28/08/2021</a:t>
+              <a:t>31/08/2021</a:t>
             </a:fld>
             <a:endParaRPr lang="es-MX"/>
           </a:p>
@@ -2694,7 +2694,7 @@
           <a:p>
             <a:fld id="{A1885434-5205-461E-995C-BEC48052BC1D}" type="datetimeFigureOut">
               <a:rPr lang="es-MX" smtClean="0"/>
-              <a:t>28/08/2021</a:t>
+              <a:t>31/08/2021</a:t>
             </a:fld>
             <a:endParaRPr lang="es-MX"/>
           </a:p>
@@ -2937,7 +2937,7 @@
           <a:p>
             <a:fld id="{A1885434-5205-461E-995C-BEC48052BC1D}" type="datetimeFigureOut">
               <a:rPr lang="es-MX" smtClean="0"/>
-              <a:t>28/08/2021</a:t>
+              <a:t>31/08/2021</a:t>
             </a:fld>
             <a:endParaRPr lang="es-MX"/>
           </a:p>
@@ -3403,7 +3403,7 @@
             </a:br>
             <a:r>
               <a:rPr lang="es-MX" sz="3400" dirty="0"/>
-              <a:t>2014 - 2016</a:t>
+              <a:t>2013 - 2016</a:t>
             </a:r>
             <a:br>
               <a:rPr lang="es-MX" sz="3400" dirty="0"/>
